--- a/SWIGGY ANALYSISPPT.pptx
+++ b/SWIGGY ANALYSISPPT.pptx
@@ -15972,7 +15972,7 @@
           <a:p>
             <a:fld id="{6A4B53A7-3209-46A6-9454-F38EAC8F11E7}" type="datetimeFigureOut">
               <a:rPr lang="en-US" smtClean="0"/>
-              <a:t>10/22/2024</a:t>
+              <a:t>10/29/2024</a:t>
             </a:fld>
             <a:endParaRPr lang="en-US"/>
           </a:p>
@@ -17134,7 +17134,7 @@
             <a:fld id="{6A4B53A7-3209-46A6-9454-F38EAC8F11E7}" type="datetimeFigureOut">
               <a:rPr lang="en-US" smtClean="0"/>
               <a:pPr/>
-              <a:t>10/22/2024</a:t>
+              <a:t>10/29/2024</a:t>
             </a:fld>
             <a:endParaRPr lang="en-US" dirty="0"/>
           </a:p>
@@ -18190,7 +18190,7 @@
             <a:fld id="{6A4B53A7-3209-46A6-9454-F38EAC8F11E7}" type="datetimeFigureOut">
               <a:rPr lang="en-US" smtClean="0"/>
               <a:pPr/>
-              <a:t>10/22/2024</a:t>
+              <a:t>10/29/2024</a:t>
             </a:fld>
             <a:endParaRPr lang="en-US" dirty="0"/>
           </a:p>
@@ -19405,7 +19405,7 @@
             <a:fld id="{6A4B53A7-3209-46A6-9454-F38EAC8F11E7}" type="datetimeFigureOut">
               <a:rPr lang="en-US" smtClean="0"/>
               <a:pPr/>
-              <a:t>10/22/2024</a:t>
+              <a:t>10/29/2024</a:t>
             </a:fld>
             <a:endParaRPr lang="en-US" dirty="0"/>
           </a:p>
@@ -20511,7 +20511,7 @@
             <a:fld id="{6A4B53A7-3209-46A6-9454-F38EAC8F11E7}" type="datetimeFigureOut">
               <a:rPr lang="en-US" smtClean="0"/>
               <a:pPr/>
-              <a:t>10/22/2024</a:t>
+              <a:t>10/29/2024</a:t>
             </a:fld>
             <a:endParaRPr lang="en-US" dirty="0"/>
           </a:p>
@@ -21165,7 +21165,7 @@
             <a:fld id="{6A4B53A7-3209-46A6-9454-F38EAC8F11E7}" type="datetimeFigureOut">
               <a:rPr lang="en-US" smtClean="0"/>
               <a:pPr/>
-              <a:t>10/22/2024</a:t>
+              <a:t>10/29/2024</a:t>
             </a:fld>
             <a:endParaRPr lang="en-US" dirty="0"/>
           </a:p>
@@ -22014,7 +22014,7 @@
             <a:fld id="{6A4B53A7-3209-46A6-9454-F38EAC8F11E7}" type="datetimeFigureOut">
               <a:rPr lang="en-US" smtClean="0"/>
               <a:pPr/>
-              <a:t>10/22/2024</a:t>
+              <a:t>10/29/2024</a:t>
             </a:fld>
             <a:endParaRPr lang="en-US" dirty="0"/>
           </a:p>
@@ -22200,7 +22200,7 @@
           <a:p>
             <a:fld id="{6A4B53A7-3209-46A6-9454-F38EAC8F11E7}" type="datetimeFigureOut">
               <a:rPr lang="en-US" smtClean="0"/>
-              <a:t>10/22/2024</a:t>
+              <a:t>10/29/2024</a:t>
             </a:fld>
             <a:endParaRPr lang="en-US"/>
           </a:p>
@@ -23241,7 +23241,7 @@
           <a:p>
             <a:fld id="{6A4B53A7-3209-46A6-9454-F38EAC8F11E7}" type="datetimeFigureOut">
               <a:rPr lang="en-US" smtClean="0"/>
-              <a:t>10/22/2024</a:t>
+              <a:t>10/29/2024</a:t>
             </a:fld>
             <a:endParaRPr lang="en-US"/>
           </a:p>
@@ -23457,7 +23457,7 @@
           <a:p>
             <a:fld id="{6A4B53A7-3209-46A6-9454-F38EAC8F11E7}" type="datetimeFigureOut">
               <a:rPr lang="en-US" smtClean="0"/>
-              <a:t>10/22/2024</a:t>
+              <a:t>10/29/2024</a:t>
             </a:fld>
             <a:endParaRPr lang="en-US"/>
           </a:p>
@@ -24562,7 +24562,7 @@
           <a:p>
             <a:fld id="{6A4B53A7-3209-46A6-9454-F38EAC8F11E7}" type="datetimeFigureOut">
               <a:rPr lang="en-US" smtClean="0"/>
-              <a:t>10/22/2024</a:t>
+              <a:t>10/29/2024</a:t>
             </a:fld>
             <a:endParaRPr lang="en-US"/>
           </a:p>
@@ -24834,7 +24834,7 @@
           <a:p>
             <a:fld id="{6A4B53A7-3209-46A6-9454-F38EAC8F11E7}" type="datetimeFigureOut">
               <a:rPr lang="en-US" smtClean="0"/>
-              <a:t>10/22/2024</a:t>
+              <a:t>10/29/2024</a:t>
             </a:fld>
             <a:endParaRPr lang="en-US"/>
           </a:p>
@@ -25216,7 +25216,7 @@
           <a:p>
             <a:fld id="{6A4B53A7-3209-46A6-9454-F38EAC8F11E7}" type="datetimeFigureOut">
               <a:rPr lang="en-US" smtClean="0"/>
-              <a:t>10/22/2024</a:t>
+              <a:t>10/29/2024</a:t>
             </a:fld>
             <a:endParaRPr lang="en-US"/>
           </a:p>
@@ -25334,7 +25334,7 @@
           <a:p>
             <a:fld id="{6A4B53A7-3209-46A6-9454-F38EAC8F11E7}" type="datetimeFigureOut">
               <a:rPr lang="en-US" smtClean="0"/>
-              <a:t>10/22/2024</a:t>
+              <a:t>10/29/2024</a:t>
             </a:fld>
             <a:endParaRPr lang="en-US"/>
           </a:p>
@@ -25429,7 +25429,7 @@
           <a:p>
             <a:fld id="{6A4B53A7-3209-46A6-9454-F38EAC8F11E7}" type="datetimeFigureOut">
               <a:rPr lang="en-US" smtClean="0"/>
-              <a:t>10/22/2024</a:t>
+              <a:t>10/29/2024</a:t>
             </a:fld>
             <a:endParaRPr lang="en-US"/>
           </a:p>
@@ -26581,7 +26581,7 @@
           <a:p>
             <a:fld id="{6A4B53A7-3209-46A6-9454-F38EAC8F11E7}" type="datetimeFigureOut">
               <a:rPr lang="en-US" smtClean="0"/>
-              <a:t>10/22/2024</a:t>
+              <a:t>10/29/2024</a:t>
             </a:fld>
             <a:endParaRPr lang="en-US"/>
           </a:p>
@@ -27757,7 +27757,7 @@
           <a:p>
             <a:fld id="{6A4B53A7-3209-46A6-9454-F38EAC8F11E7}" type="datetimeFigureOut">
               <a:rPr lang="en-US" smtClean="0"/>
-              <a:t>10/22/2024</a:t>
+              <a:t>10/29/2024</a:t>
             </a:fld>
             <a:endParaRPr lang="en-US"/>
           </a:p>
@@ -28864,7 +28864,7 @@
             <a:fld id="{6A4B53A7-3209-46A6-9454-F38EAC8F11E7}" type="datetimeFigureOut">
               <a:rPr lang="en-US" smtClean="0"/>
               <a:pPr/>
-              <a:t>10/22/2024</a:t>
+              <a:t>10/29/2024</a:t>
             </a:fld>
             <a:endParaRPr lang="en-US" dirty="0"/>
           </a:p>
